--- a/praesentationens/projektvorstellung/projektvorstellung.pptx
+++ b/praesentationens/projektvorstellung/projektvorstellung.pptx
@@ -113,6 +113,11 @@
       </a:defRPr>
     </a:lvl9pPr>
   </p:defaultTextStyle>
+  <p:extLst>
+    <p:ext uri="{EFAFB233-063F-42B5-8137-9DF3F51BA10A}">
+      <p15:sldGuideLst xmlns:p15="http://schemas.microsoft.com/office/powerpoint/2012/main"/>
+    </p:ext>
+  </p:extLst>
 </p:presentation>
 </file>
 
@@ -198,7 +203,7 @@
           <a:p>
             <a:fld id="{10CA745B-DE21-4EC9-8324-EEE5FEA25266}" type="datetimeFigureOut">
               <a:rPr lang="de-DE" smtClean="0"/>
-              <a:t>23.02.2016</a:t>
+              <a:t>24.02.2016</a:t>
             </a:fld>
             <a:endParaRPr lang="de-DE"/>
           </a:p>
@@ -5993,8 +5998,8 @@
         </p:nvSpPr>
         <p:spPr>
           <a:xfrm>
-            <a:off x="1484311" y="685800"/>
-            <a:ext cx="10018713" cy="1752599"/>
+            <a:off x="1484311" y="685801"/>
+            <a:ext cx="10018713" cy="1447800"/>
           </a:xfrm>
           <a:prstGeom prst="rect">
             <a:avLst/>
@@ -6008,7 +6013,7 @@
           <a:lstStyle/>
           <a:p>
             <a:r>
-              <a:rPr lang="de-DE" smtClean="0"/>
+              <a:rPr lang="de-DE" dirty="0" smtClean="0"/>
               <a:t>Titelmasterformat durch Klicken bearbeiten</a:t>
             </a:r>
             <a:endParaRPr lang="en-US" dirty="0"/>
@@ -6027,8 +6032,8 @@
         </p:nvSpPr>
         <p:spPr>
           <a:xfrm>
-            <a:off x="1484310" y="2666999"/>
-            <a:ext cx="10018713" cy="3124201"/>
+            <a:off x="1484310" y="2181226"/>
+            <a:ext cx="10018713" cy="3609975"/>
           </a:xfrm>
           <a:prstGeom prst="rect">
             <a:avLst/>
@@ -6042,35 +6047,35 @@
           <a:p>
             <a:pPr lvl="0"/>
             <a:r>
-              <a:rPr lang="de-DE" smtClean="0"/>
+              <a:rPr lang="de-DE" dirty="0" smtClean="0"/>
               <a:t>Textmasterformat bearbeiten</a:t>
             </a:r>
           </a:p>
           <a:p>
             <a:pPr lvl="1"/>
             <a:r>
-              <a:rPr lang="de-DE" smtClean="0"/>
+              <a:rPr lang="de-DE" dirty="0" smtClean="0"/>
               <a:t>Zweite Ebene</a:t>
             </a:r>
           </a:p>
           <a:p>
             <a:pPr lvl="2"/>
             <a:r>
-              <a:rPr lang="de-DE" smtClean="0"/>
+              <a:rPr lang="de-DE" dirty="0" smtClean="0"/>
               <a:t>Dritte Ebene</a:t>
             </a:r>
           </a:p>
           <a:p>
             <a:pPr lvl="3"/>
             <a:r>
-              <a:rPr lang="de-DE" smtClean="0"/>
+              <a:rPr lang="de-DE" dirty="0" smtClean="0"/>
               <a:t>Vierte Ebene</a:t>
             </a:r>
           </a:p>
           <a:p>
             <a:pPr lvl="4"/>
             <a:r>
-              <a:rPr lang="de-DE" smtClean="0"/>
+              <a:rPr lang="de-DE" dirty="0" smtClean="0"/>
               <a:t>Fünfte Ebene</a:t>
             </a:r>
             <a:endParaRPr lang="en-US" dirty="0"/>
@@ -6100,7 +6105,7 @@
           <a:bodyPr vert="horz" lIns="91440" tIns="45720" rIns="91440" bIns="45720" rtlCol="0" anchor="ctr"/>
           <a:lstStyle>
             <a:lvl1pPr algn="r">
-              <a:defRPr sz="1000" b="0" i="0">
+              <a:defRPr sz="1200" b="0" i="0">
                 <a:solidFill>
                   <a:schemeClr val="tx1"/>
                 </a:solidFill>
@@ -6111,10 +6116,10 @@
           </a:lstStyle>
           <a:p>
             <a:r>
-              <a:rPr lang="de-DE" smtClean="0"/>
+              <a:rPr lang="de-DE" dirty="0" smtClean="0"/>
               <a:t>24.02.2016</a:t>
             </a:r>
-            <a:endParaRPr lang="de-DE"/>
+            <a:endParaRPr lang="de-DE" dirty="0"/>
           </a:p>
         </p:txBody>
       </p:sp>
@@ -6141,7 +6146,7 @@
           <a:bodyPr vert="horz" lIns="91440" tIns="45720" rIns="91440" bIns="45720" rtlCol="0" anchor="ctr"/>
           <a:lstStyle>
             <a:lvl1pPr algn="l">
-              <a:defRPr sz="1000" b="0" i="0">
+              <a:defRPr sz="1200" b="0" i="0">
                 <a:solidFill>
                   <a:schemeClr val="tx1"/>
                 </a:solidFill>
@@ -6152,10 +6157,10 @@
           </a:lstStyle>
           <a:p>
             <a:r>
-              <a:rPr lang="de-DE" smtClean="0"/>
+              <a:rPr lang="de-DE" dirty="0" smtClean="0"/>
               <a:t>Team Mammut</a:t>
             </a:r>
-            <a:endParaRPr lang="de-DE"/>
+            <a:endParaRPr lang="de-DE" dirty="0"/>
           </a:p>
         </p:txBody>
       </p:sp>
@@ -6182,7 +6187,7 @@
           <a:bodyPr vert="horz" lIns="91440" tIns="45720" rIns="91440" bIns="45720" rtlCol="0" anchor="ctr"/>
           <a:lstStyle>
             <a:lvl1pPr algn="r">
-              <a:defRPr sz="1000" b="0" i="0">
+              <a:defRPr sz="1200" b="0" i="0">
                 <a:solidFill>
                   <a:schemeClr val="tx1"/>
                 </a:solidFill>
@@ -6194,9 +6199,10 @@
           <a:p>
             <a:fld id="{C983B6F4-13B3-4691-B48D-7C8FEBC0F27E}" type="slidenum">
               <a:rPr lang="de-DE" smtClean="0"/>
+              <a:pPr/>
               <a:t>‹Nr.›</a:t>
             </a:fld>
-            <a:endParaRPr lang="de-DE"/>
+            <a:endParaRPr lang="de-DE" dirty="0"/>
           </a:p>
         </p:txBody>
       </p:sp>
@@ -6235,7 +6241,7 @@
           <a:spcPct val="0"/>
         </a:spcBef>
         <a:buNone/>
-        <a:defRPr sz="4000" kern="1200" cap="none">
+        <a:defRPr sz="4200" kern="1200" cap="none">
           <a:ln w="3175" cmpd="sng">
             <a:noFill/>
           </a:ln>
@@ -6321,7 +6327,7 @@
         <a:buSzPct val="145000"/>
         <a:buFont typeface="Arial"/>
         <a:buChar char="•"/>
-        <a:defRPr sz="2400" kern="1200" cap="none">
+        <a:defRPr sz="2600" kern="1200" cap="none">
           <a:solidFill>
             <a:schemeClr val="tx1"/>
           </a:solidFill>
@@ -6346,7 +6352,7 @@
         <a:buSzPct val="145000"/>
         <a:buFont typeface="Arial"/>
         <a:buChar char="•"/>
-        <a:defRPr sz="2000" kern="1200" cap="none">
+        <a:defRPr sz="2200" kern="1200" cap="none">
           <a:solidFill>
             <a:schemeClr val="tx1"/>
           </a:solidFill>
@@ -6371,7 +6377,7 @@
         <a:buSzPct val="145000"/>
         <a:buFont typeface="Arial"/>
         <a:buChar char="•"/>
-        <a:defRPr sz="1800" kern="1200" cap="none">
+        <a:defRPr sz="2000" kern="1200" cap="none">
           <a:solidFill>
             <a:schemeClr val="tx1"/>
           </a:solidFill>
@@ -7060,13 +7066,16 @@
         </p:nvSpPr>
         <p:spPr/>
         <p:txBody>
-          <a:bodyPr/>
+          <a:bodyPr>
+            <a:normAutofit/>
+          </a:bodyPr>
           <a:lstStyle/>
           <a:p>
             <a:r>
               <a:rPr lang="de-DE" dirty="0" smtClean="0"/>
-              <a:t>Umstellung von Schule auf Studium schwer</a:t>
-            </a:r>
+              <a:t>Einstieg ins Studium gestaltet sich schwer</a:t>
+            </a:r>
+            <a:endParaRPr lang="de-DE" dirty="0" smtClean="0"/>
           </a:p>
           <a:p>
             <a:r>
@@ -7083,8 +7092,17 @@
           <a:p>
             <a:r>
               <a:rPr lang="de-DE" dirty="0" smtClean="0"/>
-              <a:t>Unklare Vorgehensweise</a:t>
-            </a:r>
+              <a:t>Unklare </a:t>
+            </a:r>
+            <a:r>
+              <a:rPr lang="de-DE" dirty="0" smtClean="0"/>
+              <a:t>Vorgehensweise während der </a:t>
+            </a:r>
+            <a:r>
+              <a:rPr lang="de-DE" smtClean="0"/>
+              <a:t>ersten Semester</a:t>
+            </a:r>
+            <a:endParaRPr lang="de-DE" dirty="0" smtClean="0"/>
           </a:p>
           <a:p>
             <a:r>
@@ -7823,7 +7841,6 @@
               <a:rPr lang="de-DE" dirty="0"/>
               <a:t> Simon Oswald, Philipp Pütz</a:t>
             </a:r>
-            <a:endParaRPr lang="de-DE" dirty="0"/>
           </a:p>
         </p:txBody>
       </p:sp>

--- a/praesentationens/projektvorstellung/projektvorstellung.pptx
+++ b/praesentationens/projektvorstellung/projektvorstellung.pptx
@@ -5,16 +5,17 @@
     <p:sldMasterId id="2147483714" r:id="rId1"/>
   </p:sldMasterIdLst>
   <p:notesMasterIdLst>
-    <p:notesMasterId r:id="rId9"/>
+    <p:notesMasterId r:id="rId10"/>
   </p:notesMasterIdLst>
   <p:sldIdLst>
     <p:sldId id="256" r:id="rId2"/>
     <p:sldId id="257" r:id="rId3"/>
     <p:sldId id="258" r:id="rId4"/>
     <p:sldId id="261" r:id="rId5"/>
-    <p:sldId id="259" r:id="rId6"/>
-    <p:sldId id="260" r:id="rId7"/>
-    <p:sldId id="262" r:id="rId8"/>
+    <p:sldId id="263" r:id="rId6"/>
+    <p:sldId id="259" r:id="rId7"/>
+    <p:sldId id="260" r:id="rId8"/>
+    <p:sldId id="262" r:id="rId9"/>
   </p:sldIdLst>
   <p:sldSz cx="12192000" cy="6858000"/>
   <p:notesSz cx="6858000" cy="9144000"/>
@@ -546,6 +547,594 @@
     <p:extLst>
       <p:ext uri="{BB962C8B-B14F-4D97-AF65-F5344CB8AC3E}">
         <p14:creationId xmlns:p14="http://schemas.microsoft.com/office/powerpoint/2010/main" val="824641343"/>
+      </p:ext>
+    </p:extLst>
+  </p:cSld>
+  <p:clrMapOvr>
+    <a:masterClrMapping/>
+  </p:clrMapOvr>
+</p:notes>
+</file>
+
+<file path=ppt/notesSlides/notesSlide2.xml><?xml version="1.0" encoding="utf-8"?>
+<p:notes xmlns:a="http://schemas.openxmlformats.org/drawingml/2006/main" xmlns:r="http://schemas.openxmlformats.org/officeDocument/2006/relationships" xmlns:p="http://schemas.openxmlformats.org/presentationml/2006/main">
+  <p:cSld>
+    <p:spTree>
+      <p:nvGrpSpPr>
+        <p:cNvPr id="1" name=""/>
+        <p:cNvGrpSpPr/>
+        <p:nvPr/>
+      </p:nvGrpSpPr>
+      <p:grpSpPr>
+        <a:xfrm>
+          <a:off x="0" y="0"/>
+          <a:ext cx="0" cy="0"/>
+          <a:chOff x="0" y="0"/>
+          <a:chExt cx="0" cy="0"/>
+        </a:xfrm>
+      </p:grpSpPr>
+      <p:sp>
+        <p:nvSpPr>
+          <p:cNvPr id="2" name="Folienbildplatzhalter 1"/>
+          <p:cNvSpPr>
+            <a:spLocks noGrp="1" noRot="1" noChangeAspect="1"/>
+          </p:cNvSpPr>
+          <p:nvPr>
+            <p:ph type="sldImg"/>
+          </p:nvPr>
+        </p:nvSpPr>
+        <p:spPr/>
+      </p:sp>
+      <p:sp>
+        <p:nvSpPr>
+          <p:cNvPr id="3" name="Notizenplatzhalter 2"/>
+          <p:cNvSpPr>
+            <a:spLocks noGrp="1"/>
+          </p:cNvSpPr>
+          <p:nvPr>
+            <p:ph type="body" idx="1"/>
+          </p:nvPr>
+        </p:nvSpPr>
+        <p:spPr/>
+        <p:txBody>
+          <a:bodyPr/>
+          <a:lstStyle/>
+          <a:p>
+            <a:endParaRPr lang="de-DE"/>
+          </a:p>
+        </p:txBody>
+      </p:sp>
+      <p:sp>
+        <p:nvSpPr>
+          <p:cNvPr id="4" name="Foliennummernplatzhalter 3"/>
+          <p:cNvSpPr>
+            <a:spLocks noGrp="1"/>
+          </p:cNvSpPr>
+          <p:nvPr>
+            <p:ph type="sldNum" sz="quarter" idx="10"/>
+          </p:nvPr>
+        </p:nvSpPr>
+        <p:spPr/>
+        <p:txBody>
+          <a:bodyPr/>
+          <a:lstStyle/>
+          <a:p>
+            <a:fld id="{9F68DA79-17B4-46D4-814A-901446F2A32E}" type="slidenum">
+              <a:rPr lang="de-DE" smtClean="0"/>
+              <a:t>2</a:t>
+            </a:fld>
+            <a:endParaRPr lang="de-DE"/>
+          </a:p>
+        </p:txBody>
+      </p:sp>
+    </p:spTree>
+    <p:extLst>
+      <p:ext uri="{BB962C8B-B14F-4D97-AF65-F5344CB8AC3E}">
+        <p14:creationId xmlns:p14="http://schemas.microsoft.com/office/powerpoint/2010/main" val="2533628178"/>
+      </p:ext>
+    </p:extLst>
+  </p:cSld>
+  <p:clrMapOvr>
+    <a:masterClrMapping/>
+  </p:clrMapOvr>
+</p:notes>
+</file>
+
+<file path=ppt/notesSlides/notesSlide3.xml><?xml version="1.0" encoding="utf-8"?>
+<p:notes xmlns:a="http://schemas.openxmlformats.org/drawingml/2006/main" xmlns:r="http://schemas.openxmlformats.org/officeDocument/2006/relationships" xmlns:p="http://schemas.openxmlformats.org/presentationml/2006/main">
+  <p:cSld>
+    <p:spTree>
+      <p:nvGrpSpPr>
+        <p:cNvPr id="1" name=""/>
+        <p:cNvGrpSpPr/>
+        <p:nvPr/>
+      </p:nvGrpSpPr>
+      <p:grpSpPr>
+        <a:xfrm>
+          <a:off x="0" y="0"/>
+          <a:ext cx="0" cy="0"/>
+          <a:chOff x="0" y="0"/>
+          <a:chExt cx="0" cy="0"/>
+        </a:xfrm>
+      </p:grpSpPr>
+      <p:sp>
+        <p:nvSpPr>
+          <p:cNvPr id="2" name="Folienbildplatzhalter 1"/>
+          <p:cNvSpPr>
+            <a:spLocks noGrp="1" noRot="1" noChangeAspect="1"/>
+          </p:cNvSpPr>
+          <p:nvPr>
+            <p:ph type="sldImg"/>
+          </p:nvPr>
+        </p:nvSpPr>
+        <p:spPr/>
+      </p:sp>
+      <p:sp>
+        <p:nvSpPr>
+          <p:cNvPr id="3" name="Notizenplatzhalter 2"/>
+          <p:cNvSpPr>
+            <a:spLocks noGrp="1"/>
+          </p:cNvSpPr>
+          <p:nvPr>
+            <p:ph type="body" idx="1"/>
+          </p:nvPr>
+        </p:nvSpPr>
+        <p:spPr/>
+        <p:txBody>
+          <a:bodyPr/>
+          <a:lstStyle/>
+          <a:p>
+            <a:endParaRPr lang="de-DE"/>
+          </a:p>
+        </p:txBody>
+      </p:sp>
+      <p:sp>
+        <p:nvSpPr>
+          <p:cNvPr id="4" name="Foliennummernplatzhalter 3"/>
+          <p:cNvSpPr>
+            <a:spLocks noGrp="1"/>
+          </p:cNvSpPr>
+          <p:nvPr>
+            <p:ph type="sldNum" sz="quarter" idx="10"/>
+          </p:nvPr>
+        </p:nvSpPr>
+        <p:spPr/>
+        <p:txBody>
+          <a:bodyPr/>
+          <a:lstStyle/>
+          <a:p>
+            <a:fld id="{9F68DA79-17B4-46D4-814A-901446F2A32E}" type="slidenum">
+              <a:rPr lang="de-DE" smtClean="0"/>
+              <a:t>3</a:t>
+            </a:fld>
+            <a:endParaRPr lang="de-DE"/>
+          </a:p>
+        </p:txBody>
+      </p:sp>
+    </p:spTree>
+    <p:extLst>
+      <p:ext uri="{BB962C8B-B14F-4D97-AF65-F5344CB8AC3E}">
+        <p14:creationId xmlns:p14="http://schemas.microsoft.com/office/powerpoint/2010/main" val="709531343"/>
+      </p:ext>
+    </p:extLst>
+  </p:cSld>
+  <p:clrMapOvr>
+    <a:masterClrMapping/>
+  </p:clrMapOvr>
+</p:notes>
+</file>
+
+<file path=ppt/notesSlides/notesSlide4.xml><?xml version="1.0" encoding="utf-8"?>
+<p:notes xmlns:a="http://schemas.openxmlformats.org/drawingml/2006/main" xmlns:r="http://schemas.openxmlformats.org/officeDocument/2006/relationships" xmlns:p="http://schemas.openxmlformats.org/presentationml/2006/main">
+  <p:cSld>
+    <p:spTree>
+      <p:nvGrpSpPr>
+        <p:cNvPr id="1" name=""/>
+        <p:cNvGrpSpPr/>
+        <p:nvPr/>
+      </p:nvGrpSpPr>
+      <p:grpSpPr>
+        <a:xfrm>
+          <a:off x="0" y="0"/>
+          <a:ext cx="0" cy="0"/>
+          <a:chOff x="0" y="0"/>
+          <a:chExt cx="0" cy="0"/>
+        </a:xfrm>
+      </p:grpSpPr>
+      <p:sp>
+        <p:nvSpPr>
+          <p:cNvPr id="2" name="Folienbildplatzhalter 1"/>
+          <p:cNvSpPr>
+            <a:spLocks noGrp="1" noRot="1" noChangeAspect="1"/>
+          </p:cNvSpPr>
+          <p:nvPr>
+            <p:ph type="sldImg"/>
+          </p:nvPr>
+        </p:nvSpPr>
+        <p:spPr/>
+      </p:sp>
+      <p:sp>
+        <p:nvSpPr>
+          <p:cNvPr id="3" name="Notizenplatzhalter 2"/>
+          <p:cNvSpPr>
+            <a:spLocks noGrp="1"/>
+          </p:cNvSpPr>
+          <p:nvPr>
+            <p:ph type="body" idx="1"/>
+          </p:nvPr>
+        </p:nvSpPr>
+        <p:spPr/>
+        <p:txBody>
+          <a:bodyPr/>
+          <a:lstStyle/>
+          <a:p>
+            <a:endParaRPr lang="de-DE"/>
+          </a:p>
+        </p:txBody>
+      </p:sp>
+      <p:sp>
+        <p:nvSpPr>
+          <p:cNvPr id="4" name="Foliennummernplatzhalter 3"/>
+          <p:cNvSpPr>
+            <a:spLocks noGrp="1"/>
+          </p:cNvSpPr>
+          <p:nvPr>
+            <p:ph type="sldNum" sz="quarter" idx="10"/>
+          </p:nvPr>
+        </p:nvSpPr>
+        <p:spPr/>
+        <p:txBody>
+          <a:bodyPr/>
+          <a:lstStyle/>
+          <a:p>
+            <a:fld id="{9F68DA79-17B4-46D4-814A-901446F2A32E}" type="slidenum">
+              <a:rPr lang="de-DE" smtClean="0"/>
+              <a:t>4</a:t>
+            </a:fld>
+            <a:endParaRPr lang="de-DE"/>
+          </a:p>
+        </p:txBody>
+      </p:sp>
+    </p:spTree>
+    <p:extLst>
+      <p:ext uri="{BB962C8B-B14F-4D97-AF65-F5344CB8AC3E}">
+        <p14:creationId xmlns:p14="http://schemas.microsoft.com/office/powerpoint/2010/main" val="1258558038"/>
+      </p:ext>
+    </p:extLst>
+  </p:cSld>
+  <p:clrMapOvr>
+    <a:masterClrMapping/>
+  </p:clrMapOvr>
+</p:notes>
+</file>
+
+<file path=ppt/notesSlides/notesSlide5.xml><?xml version="1.0" encoding="utf-8"?>
+<p:notes xmlns:a="http://schemas.openxmlformats.org/drawingml/2006/main" xmlns:r="http://schemas.openxmlformats.org/officeDocument/2006/relationships" xmlns:p="http://schemas.openxmlformats.org/presentationml/2006/main">
+  <p:cSld>
+    <p:spTree>
+      <p:nvGrpSpPr>
+        <p:cNvPr id="1" name=""/>
+        <p:cNvGrpSpPr/>
+        <p:nvPr/>
+      </p:nvGrpSpPr>
+      <p:grpSpPr>
+        <a:xfrm>
+          <a:off x="0" y="0"/>
+          <a:ext cx="0" cy="0"/>
+          <a:chOff x="0" y="0"/>
+          <a:chExt cx="0" cy="0"/>
+        </a:xfrm>
+      </p:grpSpPr>
+      <p:sp>
+        <p:nvSpPr>
+          <p:cNvPr id="2" name="Folienbildplatzhalter 1"/>
+          <p:cNvSpPr>
+            <a:spLocks noGrp="1" noRot="1" noChangeAspect="1"/>
+          </p:cNvSpPr>
+          <p:nvPr>
+            <p:ph type="sldImg"/>
+          </p:nvPr>
+        </p:nvSpPr>
+        <p:spPr/>
+      </p:sp>
+      <p:sp>
+        <p:nvSpPr>
+          <p:cNvPr id="3" name="Notizenplatzhalter 2"/>
+          <p:cNvSpPr>
+            <a:spLocks noGrp="1"/>
+          </p:cNvSpPr>
+          <p:nvPr>
+            <p:ph type="body" idx="1"/>
+          </p:nvPr>
+        </p:nvSpPr>
+        <p:spPr/>
+        <p:txBody>
+          <a:bodyPr/>
+          <a:lstStyle/>
+          <a:p>
+            <a:endParaRPr lang="de-DE"/>
+          </a:p>
+        </p:txBody>
+      </p:sp>
+      <p:sp>
+        <p:nvSpPr>
+          <p:cNvPr id="4" name="Foliennummernplatzhalter 3"/>
+          <p:cNvSpPr>
+            <a:spLocks noGrp="1"/>
+          </p:cNvSpPr>
+          <p:nvPr>
+            <p:ph type="sldNum" sz="quarter" idx="10"/>
+          </p:nvPr>
+        </p:nvSpPr>
+        <p:spPr/>
+        <p:txBody>
+          <a:bodyPr/>
+          <a:lstStyle/>
+          <a:p>
+            <a:fld id="{9F68DA79-17B4-46D4-814A-901446F2A32E}" type="slidenum">
+              <a:rPr lang="de-DE" smtClean="0"/>
+              <a:t>5</a:t>
+            </a:fld>
+            <a:endParaRPr lang="de-DE"/>
+          </a:p>
+        </p:txBody>
+      </p:sp>
+    </p:spTree>
+    <p:extLst>
+      <p:ext uri="{BB962C8B-B14F-4D97-AF65-F5344CB8AC3E}">
+        <p14:creationId xmlns:p14="http://schemas.microsoft.com/office/powerpoint/2010/main" val="2440285447"/>
+      </p:ext>
+    </p:extLst>
+  </p:cSld>
+  <p:clrMapOvr>
+    <a:masterClrMapping/>
+  </p:clrMapOvr>
+</p:notes>
+</file>
+
+<file path=ppt/notesSlides/notesSlide6.xml><?xml version="1.0" encoding="utf-8"?>
+<p:notes xmlns:a="http://schemas.openxmlformats.org/drawingml/2006/main" xmlns:r="http://schemas.openxmlformats.org/officeDocument/2006/relationships" xmlns:p="http://schemas.openxmlformats.org/presentationml/2006/main">
+  <p:cSld>
+    <p:spTree>
+      <p:nvGrpSpPr>
+        <p:cNvPr id="1" name=""/>
+        <p:cNvGrpSpPr/>
+        <p:nvPr/>
+      </p:nvGrpSpPr>
+      <p:grpSpPr>
+        <a:xfrm>
+          <a:off x="0" y="0"/>
+          <a:ext cx="0" cy="0"/>
+          <a:chOff x="0" y="0"/>
+          <a:chExt cx="0" cy="0"/>
+        </a:xfrm>
+      </p:grpSpPr>
+      <p:sp>
+        <p:nvSpPr>
+          <p:cNvPr id="2" name="Folienbildplatzhalter 1"/>
+          <p:cNvSpPr>
+            <a:spLocks noGrp="1" noRot="1" noChangeAspect="1"/>
+          </p:cNvSpPr>
+          <p:nvPr>
+            <p:ph type="sldImg"/>
+          </p:nvPr>
+        </p:nvSpPr>
+        <p:spPr/>
+      </p:sp>
+      <p:sp>
+        <p:nvSpPr>
+          <p:cNvPr id="3" name="Notizenplatzhalter 2"/>
+          <p:cNvSpPr>
+            <a:spLocks noGrp="1"/>
+          </p:cNvSpPr>
+          <p:nvPr>
+            <p:ph type="body" idx="1"/>
+          </p:nvPr>
+        </p:nvSpPr>
+        <p:spPr/>
+        <p:txBody>
+          <a:bodyPr/>
+          <a:lstStyle/>
+          <a:p>
+            <a:endParaRPr lang="de-DE"/>
+          </a:p>
+        </p:txBody>
+      </p:sp>
+      <p:sp>
+        <p:nvSpPr>
+          <p:cNvPr id="4" name="Foliennummernplatzhalter 3"/>
+          <p:cNvSpPr>
+            <a:spLocks noGrp="1"/>
+          </p:cNvSpPr>
+          <p:nvPr>
+            <p:ph type="sldNum" sz="quarter" idx="10"/>
+          </p:nvPr>
+        </p:nvSpPr>
+        <p:spPr/>
+        <p:txBody>
+          <a:bodyPr/>
+          <a:lstStyle/>
+          <a:p>
+            <a:fld id="{9F68DA79-17B4-46D4-814A-901446F2A32E}" type="slidenum">
+              <a:rPr lang="de-DE" smtClean="0"/>
+              <a:t>6</a:t>
+            </a:fld>
+            <a:endParaRPr lang="de-DE"/>
+          </a:p>
+        </p:txBody>
+      </p:sp>
+    </p:spTree>
+    <p:extLst>
+      <p:ext uri="{BB962C8B-B14F-4D97-AF65-F5344CB8AC3E}">
+        <p14:creationId xmlns:p14="http://schemas.microsoft.com/office/powerpoint/2010/main" val="3204293563"/>
+      </p:ext>
+    </p:extLst>
+  </p:cSld>
+  <p:clrMapOvr>
+    <a:masterClrMapping/>
+  </p:clrMapOvr>
+</p:notes>
+</file>
+
+<file path=ppt/notesSlides/notesSlide7.xml><?xml version="1.0" encoding="utf-8"?>
+<p:notes xmlns:a="http://schemas.openxmlformats.org/drawingml/2006/main" xmlns:r="http://schemas.openxmlformats.org/officeDocument/2006/relationships" xmlns:p="http://schemas.openxmlformats.org/presentationml/2006/main">
+  <p:cSld>
+    <p:spTree>
+      <p:nvGrpSpPr>
+        <p:cNvPr id="1" name=""/>
+        <p:cNvGrpSpPr/>
+        <p:nvPr/>
+      </p:nvGrpSpPr>
+      <p:grpSpPr>
+        <a:xfrm>
+          <a:off x="0" y="0"/>
+          <a:ext cx="0" cy="0"/>
+          <a:chOff x="0" y="0"/>
+          <a:chExt cx="0" cy="0"/>
+        </a:xfrm>
+      </p:grpSpPr>
+      <p:sp>
+        <p:nvSpPr>
+          <p:cNvPr id="2" name="Folienbildplatzhalter 1"/>
+          <p:cNvSpPr>
+            <a:spLocks noGrp="1" noRot="1" noChangeAspect="1"/>
+          </p:cNvSpPr>
+          <p:nvPr>
+            <p:ph type="sldImg"/>
+          </p:nvPr>
+        </p:nvSpPr>
+        <p:spPr/>
+      </p:sp>
+      <p:sp>
+        <p:nvSpPr>
+          <p:cNvPr id="3" name="Notizenplatzhalter 2"/>
+          <p:cNvSpPr>
+            <a:spLocks noGrp="1"/>
+          </p:cNvSpPr>
+          <p:nvPr>
+            <p:ph type="body" idx="1"/>
+          </p:nvPr>
+        </p:nvSpPr>
+        <p:spPr/>
+        <p:txBody>
+          <a:bodyPr/>
+          <a:lstStyle/>
+          <a:p>
+            <a:endParaRPr lang="de-DE"/>
+          </a:p>
+        </p:txBody>
+      </p:sp>
+      <p:sp>
+        <p:nvSpPr>
+          <p:cNvPr id="4" name="Foliennummernplatzhalter 3"/>
+          <p:cNvSpPr>
+            <a:spLocks noGrp="1"/>
+          </p:cNvSpPr>
+          <p:nvPr>
+            <p:ph type="sldNum" sz="quarter" idx="10"/>
+          </p:nvPr>
+        </p:nvSpPr>
+        <p:spPr/>
+        <p:txBody>
+          <a:bodyPr/>
+          <a:lstStyle/>
+          <a:p>
+            <a:fld id="{9F68DA79-17B4-46D4-814A-901446F2A32E}" type="slidenum">
+              <a:rPr lang="de-DE" smtClean="0"/>
+              <a:t>7</a:t>
+            </a:fld>
+            <a:endParaRPr lang="de-DE"/>
+          </a:p>
+        </p:txBody>
+      </p:sp>
+    </p:spTree>
+    <p:extLst>
+      <p:ext uri="{BB962C8B-B14F-4D97-AF65-F5344CB8AC3E}">
+        <p14:creationId xmlns:p14="http://schemas.microsoft.com/office/powerpoint/2010/main" val="659914262"/>
+      </p:ext>
+    </p:extLst>
+  </p:cSld>
+  <p:clrMapOvr>
+    <a:masterClrMapping/>
+  </p:clrMapOvr>
+</p:notes>
+</file>
+
+<file path=ppt/notesSlides/notesSlide8.xml><?xml version="1.0" encoding="utf-8"?>
+<p:notes xmlns:a="http://schemas.openxmlformats.org/drawingml/2006/main" xmlns:r="http://schemas.openxmlformats.org/officeDocument/2006/relationships" xmlns:p="http://schemas.openxmlformats.org/presentationml/2006/main">
+  <p:cSld>
+    <p:spTree>
+      <p:nvGrpSpPr>
+        <p:cNvPr id="1" name=""/>
+        <p:cNvGrpSpPr/>
+        <p:nvPr/>
+      </p:nvGrpSpPr>
+      <p:grpSpPr>
+        <a:xfrm>
+          <a:off x="0" y="0"/>
+          <a:ext cx="0" cy="0"/>
+          <a:chOff x="0" y="0"/>
+          <a:chExt cx="0" cy="0"/>
+        </a:xfrm>
+      </p:grpSpPr>
+      <p:sp>
+        <p:nvSpPr>
+          <p:cNvPr id="2" name="Folienbildplatzhalter 1"/>
+          <p:cNvSpPr>
+            <a:spLocks noGrp="1" noRot="1" noChangeAspect="1"/>
+          </p:cNvSpPr>
+          <p:nvPr>
+            <p:ph type="sldImg"/>
+          </p:nvPr>
+        </p:nvSpPr>
+        <p:spPr/>
+      </p:sp>
+      <p:sp>
+        <p:nvSpPr>
+          <p:cNvPr id="3" name="Notizenplatzhalter 2"/>
+          <p:cNvSpPr>
+            <a:spLocks noGrp="1"/>
+          </p:cNvSpPr>
+          <p:nvPr>
+            <p:ph type="body" idx="1"/>
+          </p:nvPr>
+        </p:nvSpPr>
+        <p:spPr/>
+        <p:txBody>
+          <a:bodyPr/>
+          <a:lstStyle/>
+          <a:p>
+            <a:endParaRPr lang="de-DE"/>
+          </a:p>
+        </p:txBody>
+      </p:sp>
+      <p:sp>
+        <p:nvSpPr>
+          <p:cNvPr id="4" name="Foliennummernplatzhalter 3"/>
+          <p:cNvSpPr>
+            <a:spLocks noGrp="1"/>
+          </p:cNvSpPr>
+          <p:nvPr>
+            <p:ph type="sldNum" sz="quarter" idx="10"/>
+          </p:nvPr>
+        </p:nvSpPr>
+        <p:spPr/>
+        <p:txBody>
+          <a:bodyPr/>
+          <a:lstStyle/>
+          <a:p>
+            <a:fld id="{9F68DA79-17B4-46D4-814A-901446F2A32E}" type="slidenum">
+              <a:rPr lang="de-DE" smtClean="0"/>
+              <a:t>8</a:t>
+            </a:fld>
+            <a:endParaRPr lang="de-DE"/>
+          </a:p>
+        </p:txBody>
+      </p:sp>
+    </p:spTree>
+    <p:extLst>
+      <p:ext uri="{BB962C8B-B14F-4D97-AF65-F5344CB8AC3E}">
+        <p14:creationId xmlns:p14="http://schemas.microsoft.com/office/powerpoint/2010/main" val="4161200874"/>
       </p:ext>
     </p:extLst>
   </p:cSld>
@@ -1085,7 +1674,7 @@
           <a:p>
             <a:r>
               <a:rPr lang="de-DE" smtClean="0"/>
-              <a:t>Team Mammut</a:t>
+              <a:t>Team Norbert</a:t>
             </a:r>
             <a:endParaRPr lang="de-DE"/>
           </a:p>
@@ -1380,7 +1969,7 @@
           <a:p>
             <a:r>
               <a:rPr lang="de-DE" smtClean="0"/>
-              <a:t>Team Mammut</a:t>
+              <a:t>Team Norbert</a:t>
             </a:r>
             <a:endParaRPr lang="de-DE"/>
           </a:p>
@@ -1632,7 +2221,7 @@
           <a:p>
             <a:r>
               <a:rPr lang="de-DE" smtClean="0"/>
-              <a:t>Team Mammut</a:t>
+              <a:t>Team Norbert</a:t>
             </a:r>
             <a:endParaRPr lang="de-DE"/>
           </a:p>
@@ -2176,7 +2765,7 @@
           <a:p>
             <a:r>
               <a:rPr lang="de-DE" smtClean="0"/>
-              <a:t>Team Mammut</a:t>
+              <a:t>Team Norbert</a:t>
             </a:r>
             <a:endParaRPr lang="de-DE"/>
           </a:p>
@@ -2428,7 +3017,7 @@
           <a:p>
             <a:r>
               <a:rPr lang="de-DE" smtClean="0"/>
-              <a:t>Team Mammut</a:t>
+              <a:t>Team Norbert</a:t>
             </a:r>
             <a:endParaRPr lang="de-DE"/>
           </a:p>
@@ -2964,7 +3553,7 @@
           <a:p>
             <a:r>
               <a:rPr lang="de-DE" smtClean="0"/>
-              <a:t>Team Mammut</a:t>
+              <a:t>Team Norbert</a:t>
             </a:r>
             <a:endParaRPr lang="de-DE"/>
           </a:p>
@@ -3265,7 +3854,7 @@
           <a:p>
             <a:r>
               <a:rPr lang="de-DE" smtClean="0"/>
-              <a:t>Team Mammut</a:t>
+              <a:t>Team Norbert</a:t>
             </a:r>
             <a:endParaRPr lang="de-DE"/>
           </a:p>
@@ -3443,7 +4032,7 @@
           <a:p>
             <a:r>
               <a:rPr lang="de-DE" smtClean="0"/>
-              <a:t>Team Mammut</a:t>
+              <a:t>Team Norbert</a:t>
             </a:r>
             <a:endParaRPr lang="de-DE"/>
           </a:p>
@@ -3627,7 +4216,7 @@
           <a:p>
             <a:r>
               <a:rPr lang="de-DE" smtClean="0"/>
-              <a:t>Team Mammut</a:t>
+              <a:t>Team Norbert</a:t>
             </a:r>
             <a:endParaRPr lang="de-DE"/>
           </a:p>
@@ -3801,7 +4390,7 @@
           <a:p>
             <a:r>
               <a:rPr lang="de-DE" smtClean="0"/>
-              <a:t>Team Mammut</a:t>
+              <a:t>Team Norbert</a:t>
             </a:r>
             <a:endParaRPr lang="de-DE"/>
           </a:p>
@@ -4056,7 +4645,7 @@
           <a:p>
             <a:r>
               <a:rPr lang="de-DE" smtClean="0"/>
-              <a:t>Team Mammut</a:t>
+              <a:t>Team Norbert</a:t>
             </a:r>
             <a:endParaRPr lang="de-DE"/>
           </a:p>
@@ -4357,7 +4946,7 @@
           <a:p>
             <a:r>
               <a:rPr lang="de-DE" smtClean="0"/>
-              <a:t>Team Mammut</a:t>
+              <a:t>Team Norbert</a:t>
             </a:r>
             <a:endParaRPr lang="de-DE"/>
           </a:p>
@@ -4466,7 +5055,7 @@
           <a:lstStyle>
             <a:lvl1pPr marL="0" indent="0">
               <a:buNone/>
-              <a:defRPr sz="2800" b="0">
+              <a:defRPr sz="3000" b="0">
                 <a:solidFill>
                   <a:schemeClr val="accent1">
                     <a:lumMod val="75000"/>
@@ -4510,7 +5099,7 @@
           <a:p>
             <a:pPr lvl="0"/>
             <a:r>
-              <a:rPr lang="de-DE" smtClean="0"/>
+              <a:rPr lang="de-DE" dirty="0" smtClean="0"/>
               <a:t>Textmasterformat bearbeiten</a:t>
             </a:r>
           </a:p>
@@ -4538,7 +5127,7 @@
           </a:bodyPr>
           <a:lstStyle>
             <a:lvl1pPr>
-              <a:defRPr sz="1800"/>
+              <a:defRPr sz="2400"/>
             </a:lvl1pPr>
             <a:lvl2pPr>
               <a:defRPr sz="1600"/>
@@ -4568,35 +5157,35 @@
           <a:p>
             <a:pPr lvl="0"/>
             <a:r>
-              <a:rPr lang="de-DE" smtClean="0"/>
+              <a:rPr lang="de-DE" dirty="0" smtClean="0"/>
               <a:t>Textmasterformat bearbeiten</a:t>
             </a:r>
           </a:p>
           <a:p>
             <a:pPr lvl="1"/>
             <a:r>
-              <a:rPr lang="de-DE" smtClean="0"/>
+              <a:rPr lang="de-DE" dirty="0" smtClean="0"/>
               <a:t>Zweite Ebene</a:t>
             </a:r>
           </a:p>
           <a:p>
             <a:pPr lvl="2"/>
             <a:r>
-              <a:rPr lang="de-DE" smtClean="0"/>
+              <a:rPr lang="de-DE" dirty="0" smtClean="0"/>
               <a:t>Dritte Ebene</a:t>
             </a:r>
           </a:p>
           <a:p>
             <a:pPr lvl="3"/>
             <a:r>
-              <a:rPr lang="de-DE" smtClean="0"/>
+              <a:rPr lang="de-DE" dirty="0" smtClean="0"/>
               <a:t>Vierte Ebene</a:t>
             </a:r>
           </a:p>
           <a:p>
             <a:pPr lvl="4"/>
             <a:r>
-              <a:rPr lang="de-DE" smtClean="0"/>
+              <a:rPr lang="de-DE" dirty="0" smtClean="0"/>
               <a:t>Fünfte Ebene</a:t>
             </a:r>
             <a:endParaRPr lang="en-US" dirty="0"/>
@@ -4626,7 +5215,7 @@
           <a:lstStyle>
             <a:lvl1pPr marL="0" indent="0">
               <a:buNone/>
-              <a:defRPr sz="2800" b="0">
+              <a:defRPr sz="3000" b="0">
                 <a:solidFill>
                   <a:schemeClr val="accent1">
                     <a:lumMod val="75000"/>
@@ -4670,7 +5259,7 @@
           <a:p>
             <a:pPr lvl="0"/>
             <a:r>
-              <a:rPr lang="de-DE" smtClean="0"/>
+              <a:rPr lang="de-DE" dirty="0" smtClean="0"/>
               <a:t>Textmasterformat bearbeiten</a:t>
             </a:r>
           </a:p>
@@ -4698,7 +5287,7 @@
           </a:bodyPr>
           <a:lstStyle>
             <a:lvl1pPr>
-              <a:defRPr sz="1800"/>
+              <a:defRPr sz="2400"/>
             </a:lvl1pPr>
             <a:lvl2pPr>
               <a:defRPr sz="1600"/>
@@ -4728,35 +5317,35 @@
           <a:p>
             <a:pPr lvl="0"/>
             <a:r>
-              <a:rPr lang="de-DE" smtClean="0"/>
+              <a:rPr lang="de-DE" dirty="0" smtClean="0"/>
               <a:t>Textmasterformat bearbeiten</a:t>
             </a:r>
           </a:p>
           <a:p>
             <a:pPr lvl="1"/>
             <a:r>
-              <a:rPr lang="de-DE" smtClean="0"/>
+              <a:rPr lang="de-DE" dirty="0" smtClean="0"/>
               <a:t>Zweite Ebene</a:t>
             </a:r>
           </a:p>
           <a:p>
             <a:pPr lvl="2"/>
             <a:r>
-              <a:rPr lang="de-DE" smtClean="0"/>
+              <a:rPr lang="de-DE" dirty="0" smtClean="0"/>
               <a:t>Dritte Ebene</a:t>
             </a:r>
           </a:p>
           <a:p>
             <a:pPr lvl="3"/>
             <a:r>
-              <a:rPr lang="de-DE" smtClean="0"/>
+              <a:rPr lang="de-DE" dirty="0" smtClean="0"/>
               <a:t>Vierte Ebene</a:t>
             </a:r>
           </a:p>
           <a:p>
             <a:pPr lvl="4"/>
             <a:r>
-              <a:rPr lang="de-DE" smtClean="0"/>
+              <a:rPr lang="de-DE" dirty="0" smtClean="0"/>
               <a:t>Fünfte Ebene</a:t>
             </a:r>
             <a:endParaRPr lang="en-US" dirty="0"/>
@@ -4803,7 +5392,7 @@
           <a:p>
             <a:r>
               <a:rPr lang="de-DE" smtClean="0"/>
-              <a:t>Team Mammut</a:t>
+              <a:t>Team Norbert</a:t>
             </a:r>
             <a:endParaRPr lang="de-DE"/>
           </a:p>
@@ -4925,7 +5514,7 @@
           <a:p>
             <a:r>
               <a:rPr lang="de-DE" smtClean="0"/>
-              <a:t>Team Mammut</a:t>
+              <a:t>Team Norbert</a:t>
             </a:r>
             <a:endParaRPr lang="de-DE"/>
           </a:p>
@@ -5024,7 +5613,7 @@
           <a:p>
             <a:r>
               <a:rPr lang="de-DE" smtClean="0"/>
-              <a:t>Team Mammut</a:t>
+              <a:t>Team Norbert</a:t>
             </a:r>
             <a:endParaRPr lang="de-DE"/>
           </a:p>
@@ -5311,7 +5900,7 @@
           <a:p>
             <a:r>
               <a:rPr lang="de-DE" smtClean="0"/>
-              <a:t>Team Mammut</a:t>
+              <a:t>Team Norbert</a:t>
             </a:r>
             <a:endParaRPr lang="de-DE"/>
           </a:p>
@@ -5606,7 +6195,7 @@
           <a:p>
             <a:r>
               <a:rPr lang="de-DE" smtClean="0"/>
-              <a:t>Team Mammut</a:t>
+              <a:t>Team Norbert</a:t>
             </a:r>
             <a:endParaRPr lang="de-DE"/>
           </a:p>
@@ -5999,7 +6588,7 @@
         <p:spPr>
           <a:xfrm>
             <a:off x="1484311" y="685801"/>
-            <a:ext cx="10018713" cy="1447800"/>
+            <a:ext cx="10018713" cy="1216151"/>
           </a:xfrm>
           <a:prstGeom prst="rect">
             <a:avLst/>
@@ -6032,8 +6621,8 @@
         </p:nvSpPr>
         <p:spPr>
           <a:xfrm>
-            <a:off x="1484310" y="2181226"/>
-            <a:ext cx="10018713" cy="3609975"/>
+            <a:off x="1484310" y="1901952"/>
+            <a:ext cx="10018713" cy="3889249"/>
           </a:xfrm>
           <a:prstGeom prst="rect">
             <a:avLst/>
@@ -6116,7 +6705,7 @@
           </a:lstStyle>
           <a:p>
             <a:r>
-              <a:rPr lang="de-DE" dirty="0" smtClean="0"/>
+              <a:rPr lang="de-DE" smtClean="0"/>
               <a:t>24.02.2016</a:t>
             </a:r>
             <a:endParaRPr lang="de-DE" dirty="0"/>
@@ -6157,8 +6746,8 @@
           </a:lstStyle>
           <a:p>
             <a:r>
-              <a:rPr lang="de-DE" dirty="0" smtClean="0"/>
-              <a:t>Team Mammut</a:t>
+              <a:rPr lang="de-DE" smtClean="0"/>
+              <a:t>Team Norbert</a:t>
             </a:r>
             <a:endParaRPr lang="de-DE" dirty="0"/>
           </a:p>
@@ -6678,7 +7267,7 @@
             </a:br>
             <a:r>
               <a:rPr lang="de-DE" dirty="0" smtClean="0"/>
-              <a:t>„Mammut“</a:t>
+              <a:t>„Norbert“</a:t>
             </a:r>
             <a:endParaRPr lang="de-DE" dirty="0"/>
           </a:p>
@@ -6698,6 +7287,25 @@
         <p:txBody>
           <a:bodyPr/>
           <a:lstStyle/>
+          <a:p>
+            <a:r>
+              <a:rPr lang="de-DE" dirty="0" smtClean="0"/>
+              <a:t>Norbert – </a:t>
+            </a:r>
+            <a:r>
+              <a:rPr lang="de-DE" dirty="0" err="1" smtClean="0"/>
+              <a:t>Your</a:t>
+            </a:r>
+            <a:r>
+              <a:rPr lang="de-DE" dirty="0" smtClean="0"/>
+              <a:t> </a:t>
+            </a:r>
+            <a:r>
+              <a:rPr lang="de-DE" dirty="0" err="1" smtClean="0"/>
+              <a:t>StudyBudy</a:t>
+            </a:r>
+            <a:endParaRPr lang="de-DE" dirty="0" smtClean="0"/>
+          </a:p>
           <a:p>
             <a:r>
               <a:rPr lang="de-DE" dirty="0" smtClean="0"/>
@@ -6762,7 +7370,7 @@
           <a:p>
             <a:r>
               <a:rPr lang="de-DE" dirty="0" smtClean="0"/>
-              <a:t>Team Mammut</a:t>
+              <a:t>Team Norbert</a:t>
             </a:r>
             <a:endParaRPr lang="de-DE" dirty="0"/>
           </a:p>
@@ -6906,6 +7514,16 @@
             </a:pPr>
             <a:r>
               <a:rPr lang="de-DE" dirty="0" smtClean="0"/>
+              <a:t>Funktionen</a:t>
+            </a:r>
+          </a:p>
+          <a:p>
+            <a:pPr marL="457200" indent="-457200">
+              <a:buFont typeface="+mj-lt"/>
+              <a:buAutoNum type="arabicPeriod"/>
+            </a:pPr>
+            <a:r>
+              <a:rPr lang="de-DE" dirty="0" smtClean="0"/>
               <a:t>Produktbeschreibung</a:t>
             </a:r>
           </a:p>
@@ -6965,7 +7583,7 @@
           <a:p>
             <a:r>
               <a:rPr lang="de-DE" smtClean="0"/>
-              <a:t>Team Mammut</a:t>
+              <a:t>Team Norbert</a:t>
             </a:r>
             <a:endParaRPr lang="de-DE"/>
           </a:p>
@@ -7064,53 +7682,85 @@
             <p:ph idx="1"/>
           </p:nvPr>
         </p:nvSpPr>
-        <p:spPr/>
+        <p:spPr>
+          <a:xfrm>
+            <a:off x="1484310" y="1892300"/>
+            <a:ext cx="10390190" cy="3898901"/>
+          </a:xfrm>
+        </p:spPr>
         <p:txBody>
           <a:bodyPr>
-            <a:normAutofit/>
+            <a:normAutofit lnSpcReduction="10000"/>
           </a:bodyPr>
           <a:lstStyle/>
           <a:p>
+            <a:pPr marL="514350" indent="-514350">
+              <a:buFont typeface="+mj-lt"/>
+              <a:buAutoNum type="arabicPeriod"/>
+            </a:pPr>
             <a:r>
               <a:rPr lang="de-DE" dirty="0" smtClean="0"/>
-              <a:t>Einstieg ins Studium gestaltet sich schwer</a:t>
+              <a:t>Erfahrungsaustausch zwischen Studenten ist schwierig</a:t>
+            </a:r>
+          </a:p>
+          <a:p>
+            <a:pPr lvl="1"/>
+            <a:r>
+              <a:rPr lang="de-DE" dirty="0" smtClean="0"/>
+              <a:t>Jahrgangsübergreifend</a:t>
+            </a:r>
+          </a:p>
+          <a:p>
+            <a:pPr lvl="1"/>
+            <a:r>
+              <a:rPr lang="de-DE" dirty="0" smtClean="0"/>
+              <a:t>Kursübergreifend bis </a:t>
+            </a:r>
+            <a:r>
+              <a:rPr lang="de-DE" dirty="0" err="1"/>
+              <a:t>f</a:t>
+            </a:r>
+            <a:r>
+              <a:rPr lang="de-DE" dirty="0" err="1" smtClean="0"/>
+              <a:t>achschaftsübergreifend</a:t>
             </a:r>
             <a:endParaRPr lang="de-DE" dirty="0" smtClean="0"/>
           </a:p>
           <a:p>
+            <a:pPr marL="514350" indent="-514350">
+              <a:buFont typeface="+mj-lt"/>
+              <a:buAutoNum type="arabicPeriod"/>
+            </a:pPr>
             <a:r>
               <a:rPr lang="de-DE" dirty="0" smtClean="0"/>
-              <a:t>Nur wenige Informationen über das Studium sind bekannt</a:t>
-            </a:r>
-          </a:p>
-          <a:p>
+              <a:t>Gleiche Aufgaben und Dokumente, die in Kursen anfallen, sind nicht zentral dokumentiert</a:t>
+            </a:r>
+          </a:p>
+          <a:p>
+            <a:pPr marL="514350" indent="-514350">
+              <a:buFont typeface="+mj-lt"/>
+              <a:buAutoNum type="arabicPeriod"/>
+            </a:pPr>
             <a:r>
               <a:rPr lang="de-DE" dirty="0" smtClean="0"/>
-              <a:t>Einstieg in neue Vorlesungen/Dozenten schwer</a:t>
-            </a:r>
-          </a:p>
-          <a:p>
+              <a:t>Arbeitsaufwandschätzung gestaltet sich schwer</a:t>
+            </a:r>
+          </a:p>
+          <a:p>
+            <a:pPr marL="514350" indent="-514350">
+              <a:buFont typeface="+mj-lt"/>
+              <a:buAutoNum type="arabicPeriod"/>
+            </a:pPr>
             <a:r>
               <a:rPr lang="de-DE" dirty="0" smtClean="0"/>
-              <a:t>Unklare </a:t>
-            </a:r>
-            <a:r>
-              <a:rPr lang="de-DE" dirty="0" smtClean="0"/>
-              <a:t>Vorgehensweise während der </a:t>
-            </a:r>
-            <a:r>
-              <a:rPr lang="de-DE" smtClean="0"/>
-              <a:t>ersten Semester</a:t>
-            </a:r>
-            <a:endParaRPr lang="de-DE" dirty="0" smtClean="0"/>
-          </a:p>
-          <a:p>
-            <a:r>
-              <a:rPr lang="de-DE" dirty="0" smtClean="0"/>
-              <a:t>Geringe Kollaboration von Dokumenten und Aufgaben</a:t>
-            </a:r>
-          </a:p>
-          <a:p>
+              <a:t>Bearbeitung von zentralen Dokumenten gestaltet sich schwer</a:t>
+            </a:r>
+          </a:p>
+          <a:p>
+            <a:pPr marL="514350" indent="-514350">
+              <a:buFont typeface="+mj-lt"/>
+              <a:buAutoNum type="arabicPeriod"/>
+            </a:pPr>
             <a:r>
               <a:rPr lang="de-DE" dirty="0" smtClean="0"/>
               <a:t>Geringe und schwierige Koordination innerhalb des Kurses / Jahrgangs</a:t>
@@ -7159,7 +7809,7 @@
           <a:p>
             <a:r>
               <a:rPr lang="de-DE" smtClean="0"/>
-              <a:t>Team Mammut</a:t>
+              <a:t>Team Norbert</a:t>
             </a:r>
             <a:endParaRPr lang="de-DE"/>
           </a:p>
@@ -7241,8 +7891,12 @@
           <a:lstStyle/>
           <a:p>
             <a:r>
+              <a:rPr lang="de-DE" dirty="0"/>
+              <a:t>2</a:t>
+            </a:r>
+            <a:r>
               <a:rPr lang="de-DE" dirty="0" smtClean="0"/>
-              <a:t>3. Zielgruppe	</a:t>
+              <a:t>. Zielgruppen</a:t>
             </a:r>
             <a:endParaRPr lang="de-DE" dirty="0"/>
           </a:p>
@@ -7250,33 +7904,109 @@
       </p:sp>
       <p:sp>
         <p:nvSpPr>
+          <p:cNvPr id="7" name="Textplatzhalter 6"/>
+          <p:cNvSpPr>
+            <a:spLocks noGrp="1"/>
+          </p:cNvSpPr>
+          <p:nvPr>
+            <p:ph type="body" idx="1"/>
+          </p:nvPr>
+        </p:nvSpPr>
+        <p:spPr/>
+        <p:txBody>
+          <a:bodyPr/>
+          <a:lstStyle/>
+          <a:p>
+            <a:r>
+              <a:rPr lang="de-DE" dirty="0" smtClean="0"/>
+              <a:t>Anwender</a:t>
+            </a:r>
+            <a:endParaRPr lang="de-DE" dirty="0"/>
+          </a:p>
+        </p:txBody>
+      </p:sp>
+      <p:sp>
+        <p:nvSpPr>
           <p:cNvPr id="3" name="Inhaltsplatzhalter 2"/>
           <p:cNvSpPr>
             <a:spLocks noGrp="1"/>
           </p:cNvSpPr>
           <p:nvPr>
-            <p:ph idx="1"/>
-          </p:nvPr>
-        </p:nvSpPr>
-        <p:spPr/>
-        <p:txBody>
-          <a:bodyPr/>
-          <a:lstStyle/>
+            <p:ph sz="half" idx="2"/>
+          </p:nvPr>
+        </p:nvSpPr>
+        <p:spPr/>
+        <p:txBody>
+          <a:bodyPr/>
+          <a:lstStyle/>
+          <a:p>
+            <a:r>
+              <a:rPr lang="de-DE" b="1" dirty="0" smtClean="0"/>
+              <a:t>Studierende</a:t>
+            </a:r>
+          </a:p>
           <a:p>
             <a:r>
               <a:rPr lang="de-DE" dirty="0" smtClean="0"/>
-              <a:t>Studierende</a:t>
-            </a:r>
-          </a:p>
+              <a:t>Schüler</a:t>
+            </a:r>
+          </a:p>
+        </p:txBody>
+      </p:sp>
+      <p:sp>
+        <p:nvSpPr>
+          <p:cNvPr id="8" name="Textplatzhalter 7"/>
+          <p:cNvSpPr>
+            <a:spLocks noGrp="1"/>
+          </p:cNvSpPr>
+          <p:nvPr>
+            <p:ph type="body" sz="quarter" idx="3"/>
+          </p:nvPr>
+        </p:nvSpPr>
+        <p:spPr/>
+        <p:txBody>
+          <a:bodyPr/>
+          <a:lstStyle/>
           <a:p>
             <a:r>
               <a:rPr lang="de-DE" dirty="0" smtClean="0"/>
-              <a:t>Duale Hochschule</a:t>
-            </a:r>
-          </a:p>
+              <a:t>Kunden</a:t>
+            </a:r>
+            <a:endParaRPr lang="de-DE" dirty="0"/>
+          </a:p>
+        </p:txBody>
+      </p:sp>
+      <p:sp>
+        <p:nvSpPr>
+          <p:cNvPr id="9" name="Inhaltsplatzhalter 8"/>
+          <p:cNvSpPr>
+            <a:spLocks noGrp="1"/>
+          </p:cNvSpPr>
+          <p:nvPr>
+            <p:ph sz="quarter" idx="4"/>
+          </p:nvPr>
+        </p:nvSpPr>
+        <p:spPr>
+          <a:xfrm>
+            <a:off x="6607966" y="3335337"/>
+            <a:ext cx="5431633" cy="2455862"/>
+          </a:xfrm>
+        </p:spPr>
+        <p:txBody>
+          <a:bodyPr>
+            <a:normAutofit/>
+          </a:bodyPr>
+          <a:lstStyle/>
           <a:p>
             <a:r>
               <a:rPr lang="de-DE" dirty="0" smtClean="0"/>
+              <a:t>Bildungseinrichtungen (z.B.: DHBW)</a:t>
+            </a:r>
+            <a:endParaRPr lang="de-DE" dirty="0"/>
+          </a:p>
+          <a:p>
+            <a:r>
+              <a:rPr lang="de-DE" dirty="0"/>
               <a:t>Studierendenvertretung</a:t>
             </a:r>
           </a:p>
@@ -7285,6 +8015,22 @@
               <a:rPr lang="de-DE" dirty="0" smtClean="0"/>
               <a:t>Ausbildungsbetriebe</a:t>
             </a:r>
+            <a:endParaRPr lang="de-DE" dirty="0"/>
+          </a:p>
+          <a:p>
+            <a:pPr marL="0" indent="0">
+              <a:buNone/>
+            </a:pPr>
+            <a:r>
+              <a:rPr lang="de-DE" dirty="0" smtClean="0">
+                <a:sym typeface="Wingdings" panose="05000000000000000000" pitchFamily="2" charset="2"/>
+              </a:rPr>
+              <a:t> Potentielle Hoster</a:t>
+            </a:r>
+            <a:endParaRPr lang="de-DE" dirty="0"/>
+          </a:p>
+          <a:p>
+            <a:endParaRPr lang="de-DE" dirty="0"/>
           </a:p>
         </p:txBody>
       </p:sp>
@@ -7328,7 +8074,7 @@
           <a:p>
             <a:r>
               <a:rPr lang="de-DE" smtClean="0"/>
-              <a:t>Team Mammut</a:t>
+              <a:t>Team Norbert</a:t>
             </a:r>
             <a:endParaRPr lang="de-DE"/>
           </a:p>
@@ -7410,12 +8156,8 @@
           <a:lstStyle/>
           <a:p>
             <a:r>
-              <a:rPr lang="de-DE" dirty="0"/>
-              <a:t>3</a:t>
-            </a:r>
-            <a:r>
               <a:rPr lang="de-DE" dirty="0" smtClean="0"/>
-              <a:t>. </a:t>
+              <a:t>3. </a:t>
             </a:r>
             <a:r>
               <a:rPr lang="de-DE" dirty="0" err="1" smtClean="0"/>
@@ -7431,7 +8173,7 @@
       </p:sp>
       <p:sp>
         <p:nvSpPr>
-          <p:cNvPr id="3" name="Inhaltsplatzhalter 2"/>
+          <p:cNvPr id="10" name="Inhaltsplatzhalter 9"/>
           <p:cNvSpPr>
             <a:spLocks noGrp="1"/>
           </p:cNvSpPr>
@@ -7444,47 +8186,67 @@
           <a:bodyPr/>
           <a:lstStyle/>
           <a:p>
+            <a:pPr marL="514350" indent="-514350">
+              <a:buFont typeface="+mj-lt"/>
+              <a:buAutoNum type="arabicPeriod"/>
+            </a:pPr>
             <a:r>
               <a:rPr lang="de-DE" dirty="0" smtClean="0"/>
-              <a:t>Besser Hilfestellungen zur Klausurvorbereitung</a:t>
-            </a:r>
-          </a:p>
-          <a:p>
+              <a:t>Unterstützen beim Erstellen eines Lernplans  bzw. Planen von Aufgaben</a:t>
+            </a:r>
+          </a:p>
+          <a:p>
+            <a:pPr marL="514350" indent="-514350">
+              <a:buFont typeface="+mj-lt"/>
+              <a:buAutoNum type="arabicPeriod"/>
+            </a:pPr>
+            <a:r>
+              <a:rPr lang="de-DE" dirty="0" smtClean="0"/>
+              <a:t>Verteilung von Aufgaben innerhalb einer Anwendergruppe</a:t>
+            </a:r>
+          </a:p>
+          <a:p>
+            <a:pPr marL="514350" indent="-514350">
+              <a:buFont typeface="+mj-lt"/>
+              <a:buAutoNum type="arabicPeriod"/>
+            </a:pPr>
+            <a:r>
+              <a:rPr lang="de-DE" dirty="0" smtClean="0"/>
+              <a:t>Weitergabe von Dokumenten innerhalb einer Anwendergruppe</a:t>
+            </a:r>
+          </a:p>
+          <a:p>
+            <a:pPr marL="514350" indent="-514350">
+              <a:buFont typeface="+mj-lt"/>
+              <a:buAutoNum type="arabicPeriod"/>
+            </a:pPr>
+            <a:r>
+              <a:rPr lang="de-DE" dirty="0" smtClean="0"/>
+              <a:t>Verteilung von Aufgaben innerhalb von Arbeitsgruppen</a:t>
+            </a:r>
+          </a:p>
+          <a:p>
+            <a:pPr marL="514350" indent="-514350">
+              <a:buFont typeface="+mj-lt"/>
+              <a:buAutoNum type="arabicPeriod"/>
+            </a:pPr>
             <a:r>
               <a:rPr lang="de-DE" dirty="0"/>
-              <a:t>Allgemeine </a:t>
+              <a:t>Erinnerungen an </a:t>
             </a:r>
             <a:r>
               <a:rPr lang="de-DE" dirty="0" smtClean="0"/>
-              <a:t>Aufgaben/Erinnerungen </a:t>
-            </a:r>
-            <a:r>
-              <a:rPr lang="de-DE" dirty="0"/>
-              <a:t>zum </a:t>
-            </a:r>
-            <a:r>
-              <a:rPr lang="de-DE" dirty="0" smtClean="0"/>
-              <a:t>Semester</a:t>
-            </a:r>
-          </a:p>
-          <a:p>
-            <a:r>
-              <a:rPr lang="de-DE" dirty="0" smtClean="0"/>
-              <a:t>Zentrale Verteilung von Informationen und Dokumenten</a:t>
-            </a:r>
-          </a:p>
-          <a:p>
-            <a:r>
-              <a:rPr lang="de-DE" dirty="0" smtClean="0"/>
-              <a:t>Praxisphasenmanagement</a:t>
-            </a:r>
-            <a:endParaRPr lang="de-DE" dirty="0"/>
-          </a:p>
-        </p:txBody>
-      </p:sp>
-      <p:sp>
-        <p:nvSpPr>
-          <p:cNvPr id="4" name="Datumsplatzhalter 3"/>
+              <a:t>Fristen</a:t>
+            </a:r>
+          </a:p>
+          <a:p>
+            <a:endParaRPr lang="de-DE" dirty="0" smtClean="0"/>
+          </a:p>
+        </p:txBody>
+      </p:sp>
+      <p:sp>
+        <p:nvSpPr>
+          <p:cNvPr id="7" name="Datumsplatzhalter 6"/>
           <p:cNvSpPr>
             <a:spLocks noGrp="1"/>
           </p:cNvSpPr>
@@ -7507,7 +8269,7 @@
       </p:sp>
       <p:sp>
         <p:nvSpPr>
-          <p:cNvPr id="5" name="Fußzeilenplatzhalter 4"/>
+          <p:cNvPr id="8" name="Fußzeilenplatzhalter 7"/>
           <p:cNvSpPr>
             <a:spLocks noGrp="1"/>
           </p:cNvSpPr>
@@ -7522,15 +8284,15 @@
           <a:p>
             <a:r>
               <a:rPr lang="de-DE" smtClean="0"/>
-              <a:t>Team Mammut</a:t>
-            </a:r>
-            <a:endParaRPr lang="de-DE"/>
-          </a:p>
-        </p:txBody>
-      </p:sp>
-      <p:sp>
-        <p:nvSpPr>
-          <p:cNvPr id="6" name="Foliennummernplatzhalter 5"/>
+              <a:t>Team Norbert</a:t>
+            </a:r>
+            <a:endParaRPr lang="de-DE"/>
+          </a:p>
+        </p:txBody>
+      </p:sp>
+      <p:sp>
+        <p:nvSpPr>
+          <p:cNvPr id="9" name="Foliennummernplatzhalter 8"/>
           <p:cNvSpPr>
             <a:spLocks noGrp="1"/>
           </p:cNvSpPr>
@@ -7554,7 +8316,7 @@
     </p:spTree>
     <p:extLst>
       <p:ext uri="{BB962C8B-B14F-4D97-AF65-F5344CB8AC3E}">
-        <p14:creationId xmlns:p14="http://schemas.microsoft.com/office/powerpoint/2010/main" val="3235850735"/>
+        <p14:creationId xmlns:p14="http://schemas.microsoft.com/office/powerpoint/2010/main" val="86000538"/>
       </p:ext>
     </p:extLst>
   </p:cSld>
@@ -7605,7 +8367,7 @@
           <a:p>
             <a:r>
               <a:rPr lang="de-DE" dirty="0" smtClean="0"/>
-              <a:t>4. Produktbeschreibung	</a:t>
+              <a:t>4. Funktionen</a:t>
             </a:r>
             <a:endParaRPr lang="de-DE" dirty="0"/>
           </a:p>
@@ -7623,52 +8385,73 @@
         </p:nvSpPr>
         <p:spPr/>
         <p:txBody>
-          <a:bodyPr>
-            <a:normAutofit/>
-          </a:bodyPr>
-          <a:lstStyle/>
-          <a:p>
+          <a:bodyPr/>
+          <a:lstStyle/>
+          <a:p>
+            <a:pPr marL="514350" indent="-514350">
+              <a:buFont typeface="+mj-lt"/>
+              <a:buAutoNum type="arabicPeriod"/>
+            </a:pPr>
             <a:r>
               <a:rPr lang="de-DE" dirty="0" smtClean="0"/>
-              <a:t>Entwicklung einer Softwarelösung</a:t>
-            </a:r>
-          </a:p>
-          <a:p>
-            <a:pPr lvl="1"/>
+              <a:t>Allgemeine Aufgaben/Erinnerungen </a:t>
+            </a:r>
+            <a:r>
+              <a:rPr lang="de-DE" dirty="0"/>
+              <a:t>zum </a:t>
+            </a:r>
             <a:r>
               <a:rPr lang="de-DE" dirty="0" smtClean="0"/>
-              <a:t>Aufgaben und Erinnerungen basierend auf Erfahrungen anderer Studierenden</a:t>
-            </a:r>
-          </a:p>
-          <a:p>
-            <a:pPr lvl="1"/>
+              <a:t>Semester</a:t>
+            </a:r>
+          </a:p>
+          <a:p>
+            <a:pPr marL="514350" indent="-514350">
+              <a:buFont typeface="+mj-lt"/>
+              <a:buAutoNum type="arabicPeriod"/>
+            </a:pPr>
+            <a:r>
+              <a:rPr lang="de-DE" dirty="0" smtClean="0"/>
+              <a:t>Zentrale Verteilung von Informationen und Dokumenten</a:t>
+            </a:r>
+          </a:p>
+          <a:p>
+            <a:pPr marL="514350" indent="-514350">
+              <a:buFont typeface="+mj-lt"/>
+              <a:buAutoNum type="arabicPeriod"/>
+            </a:pPr>
+            <a:r>
+              <a:rPr lang="de-DE" dirty="0" smtClean="0"/>
+              <a:t>Planung der Theorie- und Praxisphasen</a:t>
+            </a:r>
+          </a:p>
+          <a:p>
+            <a:pPr marL="514350" indent="-514350">
+              <a:buFont typeface="+mj-lt"/>
+              <a:buAutoNum type="arabicPeriod"/>
+            </a:pPr>
+            <a:r>
+              <a:rPr lang="de-DE" dirty="0" smtClean="0"/>
+              <a:t>Dokumentenmanagement</a:t>
+            </a:r>
+          </a:p>
+          <a:p>
+            <a:pPr marL="514350" indent="-514350">
+              <a:buFont typeface="+mj-lt"/>
+              <a:buAutoNum type="arabicPeriod"/>
+            </a:pPr>
+            <a:r>
+              <a:rPr lang="de-DE" dirty="0" smtClean="0"/>
+              <a:t>Hilfestellung </a:t>
+            </a:r>
+            <a:r>
+              <a:rPr lang="de-DE" dirty="0"/>
+              <a:t>zur Klausurvorbereitung</a:t>
+            </a:r>
+          </a:p>
+          <a:p>
             <a:endParaRPr lang="de-DE" dirty="0"/>
           </a:p>
-          <a:p>
-            <a:r>
-              <a:rPr lang="de-DE" dirty="0" smtClean="0"/>
-              <a:t>Ziele der Softwarelösung</a:t>
-            </a:r>
-          </a:p>
-          <a:p>
-            <a:pPr lvl="1"/>
-            <a:r>
-              <a:rPr lang="de-DE" dirty="0"/>
-              <a:t>Unterstützung des Studierenden im Studienalltag</a:t>
-            </a:r>
-          </a:p>
-          <a:p>
-            <a:pPr lvl="1"/>
-            <a:r>
-              <a:rPr lang="de-DE" dirty="0"/>
-              <a:t>Ermöglichung einer effektiveren </a:t>
-            </a:r>
-            <a:r>
-              <a:rPr lang="de-DE" dirty="0" smtClean="0"/>
-              <a:t>Arbeitsweise</a:t>
-            </a:r>
-            <a:endParaRPr lang="de-DE" dirty="0"/>
-          </a:p>
         </p:txBody>
       </p:sp>
       <p:sp>
@@ -7711,7 +8494,7 @@
           <a:p>
             <a:r>
               <a:rPr lang="de-DE" smtClean="0"/>
-              <a:t>Team Mammut</a:t>
+              <a:t>Team Norbert</a:t>
             </a:r>
             <a:endParaRPr lang="de-DE"/>
           </a:p>
@@ -7743,7 +8526,7 @@
     </p:spTree>
     <p:extLst>
       <p:ext uri="{BB962C8B-B14F-4D97-AF65-F5344CB8AC3E}">
-        <p14:creationId xmlns:p14="http://schemas.microsoft.com/office/powerpoint/2010/main" val="2849513469"/>
+        <p14:creationId xmlns:p14="http://schemas.microsoft.com/office/powerpoint/2010/main" val="3235850735"/>
       </p:ext>
     </p:extLst>
   </p:cSld>
@@ -7779,6 +8562,219 @@
       </p:grpSpPr>
       <p:sp>
         <p:nvSpPr>
+          <p:cNvPr id="2" name="Titel 1"/>
+          <p:cNvSpPr>
+            <a:spLocks noGrp="1"/>
+          </p:cNvSpPr>
+          <p:nvPr>
+            <p:ph type="title"/>
+          </p:nvPr>
+        </p:nvSpPr>
+        <p:spPr/>
+        <p:txBody>
+          <a:bodyPr/>
+          <a:lstStyle/>
+          <a:p>
+            <a:r>
+              <a:rPr lang="de-DE" dirty="0"/>
+              <a:t>5</a:t>
+            </a:r>
+            <a:r>
+              <a:rPr lang="de-DE" dirty="0" smtClean="0"/>
+              <a:t>. Produktbeschreibung	</a:t>
+            </a:r>
+            <a:endParaRPr lang="de-DE" dirty="0"/>
+          </a:p>
+        </p:txBody>
+      </p:sp>
+      <p:sp>
+        <p:nvSpPr>
+          <p:cNvPr id="3" name="Inhaltsplatzhalter 2"/>
+          <p:cNvSpPr>
+            <a:spLocks noGrp="1"/>
+          </p:cNvSpPr>
+          <p:nvPr>
+            <p:ph idx="1"/>
+          </p:nvPr>
+        </p:nvSpPr>
+        <p:spPr/>
+        <p:txBody>
+          <a:bodyPr>
+            <a:normAutofit/>
+          </a:bodyPr>
+          <a:lstStyle/>
+          <a:p>
+            <a:pPr marL="514350" indent="-514350">
+              <a:buFont typeface="+mj-lt"/>
+              <a:buAutoNum type="arabicPeriod"/>
+            </a:pPr>
+            <a:r>
+              <a:rPr lang="de-DE" dirty="0" smtClean="0"/>
+              <a:t>Entwicklung einer Softwarelösung</a:t>
+            </a:r>
+          </a:p>
+          <a:p>
+            <a:pPr marL="914400" lvl="1" indent="-457200">
+              <a:buFont typeface="+mj-lt"/>
+              <a:buAutoNum type="arabicPeriod"/>
+            </a:pPr>
+            <a:r>
+              <a:rPr lang="de-DE" dirty="0" smtClean="0"/>
+              <a:t>Aufgaben, Erinnerungen und Dokumente basierend auf Erfahrungen anderer Studierenden</a:t>
+            </a:r>
+          </a:p>
+          <a:p>
+            <a:pPr marL="914400" lvl="1" indent="-457200">
+              <a:buFont typeface="+mj-lt"/>
+              <a:buAutoNum type="alphaLcParenR"/>
+            </a:pPr>
+            <a:endParaRPr lang="de-DE" dirty="0"/>
+          </a:p>
+          <a:p>
+            <a:pPr marL="514350" indent="-514350">
+              <a:buFont typeface="+mj-lt"/>
+              <a:buAutoNum type="arabicPeriod"/>
+            </a:pPr>
+            <a:r>
+              <a:rPr lang="de-DE" dirty="0" smtClean="0"/>
+              <a:t>Ziele der Softwarelösung</a:t>
+            </a:r>
+          </a:p>
+          <a:p>
+            <a:pPr marL="914400" lvl="1" indent="-457200">
+              <a:buFont typeface="+mj-lt"/>
+              <a:buAutoNum type="arabicPeriod"/>
+            </a:pPr>
+            <a:r>
+              <a:rPr lang="de-DE" dirty="0"/>
+              <a:t>Unterstützung des Studierenden im Studienalltag</a:t>
+            </a:r>
+          </a:p>
+          <a:p>
+            <a:pPr marL="914400" lvl="1" indent="-457200">
+              <a:buFont typeface="+mj-lt"/>
+              <a:buAutoNum type="arabicPeriod"/>
+            </a:pPr>
+            <a:r>
+              <a:rPr lang="de-DE" dirty="0"/>
+              <a:t>Ermöglichung einer effektiveren </a:t>
+            </a:r>
+            <a:r>
+              <a:rPr lang="de-DE" dirty="0" smtClean="0"/>
+              <a:t>Arbeitsweise</a:t>
+            </a:r>
+            <a:endParaRPr lang="de-DE" dirty="0"/>
+          </a:p>
+        </p:txBody>
+      </p:sp>
+      <p:sp>
+        <p:nvSpPr>
+          <p:cNvPr id="4" name="Datumsplatzhalter 3"/>
+          <p:cNvSpPr>
+            <a:spLocks noGrp="1"/>
+          </p:cNvSpPr>
+          <p:nvPr>
+            <p:ph type="dt" sz="half" idx="10"/>
+          </p:nvPr>
+        </p:nvSpPr>
+        <p:spPr/>
+        <p:txBody>
+          <a:bodyPr/>
+          <a:lstStyle/>
+          <a:p>
+            <a:r>
+              <a:rPr lang="de-DE" smtClean="0"/>
+              <a:t>24.02.2016</a:t>
+            </a:r>
+            <a:endParaRPr lang="de-DE"/>
+          </a:p>
+        </p:txBody>
+      </p:sp>
+      <p:sp>
+        <p:nvSpPr>
+          <p:cNvPr id="5" name="Fußzeilenplatzhalter 4"/>
+          <p:cNvSpPr>
+            <a:spLocks noGrp="1"/>
+          </p:cNvSpPr>
+          <p:nvPr>
+            <p:ph type="ftr" sz="quarter" idx="11"/>
+          </p:nvPr>
+        </p:nvSpPr>
+        <p:spPr/>
+        <p:txBody>
+          <a:bodyPr/>
+          <a:lstStyle/>
+          <a:p>
+            <a:r>
+              <a:rPr lang="de-DE" smtClean="0"/>
+              <a:t>Team Norbert</a:t>
+            </a:r>
+            <a:endParaRPr lang="de-DE"/>
+          </a:p>
+        </p:txBody>
+      </p:sp>
+      <p:sp>
+        <p:nvSpPr>
+          <p:cNvPr id="6" name="Foliennummernplatzhalter 5"/>
+          <p:cNvSpPr>
+            <a:spLocks noGrp="1"/>
+          </p:cNvSpPr>
+          <p:nvPr>
+            <p:ph type="sldNum" sz="quarter" idx="12"/>
+          </p:nvPr>
+        </p:nvSpPr>
+        <p:spPr/>
+        <p:txBody>
+          <a:bodyPr/>
+          <a:lstStyle/>
+          <a:p>
+            <a:fld id="{C983B6F4-13B3-4691-B48D-7C8FEBC0F27E}" type="slidenum">
+              <a:rPr lang="de-DE" smtClean="0"/>
+              <a:t>7</a:t>
+            </a:fld>
+            <a:endParaRPr lang="de-DE"/>
+          </a:p>
+        </p:txBody>
+      </p:sp>
+    </p:spTree>
+    <p:extLst>
+      <p:ext uri="{BB962C8B-B14F-4D97-AF65-F5344CB8AC3E}">
+        <p14:creationId xmlns:p14="http://schemas.microsoft.com/office/powerpoint/2010/main" val="2849513469"/>
+      </p:ext>
+    </p:extLst>
+  </p:cSld>
+  <p:clrMapOvr>
+    <a:masterClrMapping/>
+  </p:clrMapOvr>
+  <p:timing>
+    <p:tnLst>
+      <p:par>
+        <p:cTn id="1" dur="indefinite" restart="never" nodeType="tmRoot"/>
+      </p:par>
+    </p:tnLst>
+  </p:timing>
+</p:sld>
+</file>
+
+<file path=ppt/slides/slide8.xml><?xml version="1.0" encoding="utf-8"?>
+<p:sld xmlns:a="http://schemas.openxmlformats.org/drawingml/2006/main" xmlns:r="http://schemas.openxmlformats.org/officeDocument/2006/relationships" xmlns:p="http://schemas.openxmlformats.org/presentationml/2006/main">
+  <p:cSld>
+    <p:spTree>
+      <p:nvGrpSpPr>
+        <p:cNvPr id="1" name=""/>
+        <p:cNvGrpSpPr/>
+        <p:nvPr/>
+      </p:nvGrpSpPr>
+      <p:grpSpPr>
+        <a:xfrm>
+          <a:off x="0" y="0"/>
+          <a:ext cx="0" cy="0"/>
+          <a:chOff x="0" y="0"/>
+          <a:chExt cx="0" cy="0"/>
+        </a:xfrm>
+      </p:grpSpPr>
+      <p:sp>
+        <p:nvSpPr>
           <p:cNvPr id="4" name="Titel 3"/>
           <p:cNvSpPr>
             <a:spLocks noGrp="1"/>
@@ -7884,7 +8880,7 @@
           <a:p>
             <a:r>
               <a:rPr lang="de-DE" smtClean="0"/>
-              <a:t>Team Mammut</a:t>
+              <a:t>Team Norbert</a:t>
             </a:r>
             <a:endParaRPr lang="de-DE"/>
           </a:p>
@@ -7907,7 +8903,7 @@
           <a:p>
             <a:fld id="{C983B6F4-13B3-4691-B48D-7C8FEBC0F27E}" type="slidenum">
               <a:rPr lang="de-DE" smtClean="0"/>
-              <a:t>7</a:t>
+              <a:t>8</a:t>
             </a:fld>
             <a:endParaRPr lang="de-DE"/>
           </a:p>

--- a/praesentationens/projektvorstellung/projektvorstellung.pptx
+++ b/praesentationens/projektvorstellung/projektvorstellung.pptx
@@ -516,7 +516,10 @@
           <a:bodyPr/>
           <a:lstStyle/>
           <a:p>
-            <a:endParaRPr lang="de-DE"/>
+            <a:r>
+              <a:rPr lang="de-DE" smtClean="0"/>
+              <a:t>Testkommentar</a:t>
+            </a:r>
           </a:p>
         </p:txBody>
       </p:sp>
@@ -7297,12 +7300,12 @@
               <a:t>Your</a:t>
             </a:r>
             <a:r>
-              <a:rPr lang="de-DE" dirty="0" smtClean="0"/>
+              <a:rPr lang="de-DE" dirty="0"/>
               <a:t> </a:t>
             </a:r>
             <a:r>
               <a:rPr lang="de-DE" dirty="0" err="1" smtClean="0"/>
-              <a:t>StudyBudy</a:t>
+              <a:t>StudyBuddy</a:t>
             </a:r>
             <a:endParaRPr lang="de-DE" dirty="0" smtClean="0"/>
           </a:p>
